--- a/Django私房手册/django_rest_framework.pptx
+++ b/Django私房手册/django_rest_framework.pptx
@@ -259,7 +259,7 @@
           <a:p>
             <a:fld id="{6FFBED8E-B12C-4B5D-B470-B4529A82CF39}" type="datetimeFigureOut">
               <a:rPr lang="zh-CN" altLang="en-US" smtClean="0"/>
-              <a:t>2020/5/6</a:t>
+              <a:t>2020/5/13</a:t>
             </a:fld>
             <a:endParaRPr lang="zh-CN" altLang="en-US"/>
           </a:p>
@@ -457,7 +457,7 @@
           <a:p>
             <a:fld id="{6FFBED8E-B12C-4B5D-B470-B4529A82CF39}" type="datetimeFigureOut">
               <a:rPr lang="zh-CN" altLang="en-US" smtClean="0"/>
-              <a:t>2020/5/6</a:t>
+              <a:t>2020/5/13</a:t>
             </a:fld>
             <a:endParaRPr lang="zh-CN" altLang="en-US"/>
           </a:p>
@@ -665,7 +665,7 @@
           <a:p>
             <a:fld id="{6FFBED8E-B12C-4B5D-B470-B4529A82CF39}" type="datetimeFigureOut">
               <a:rPr lang="zh-CN" altLang="en-US" smtClean="0"/>
-              <a:t>2020/5/6</a:t>
+              <a:t>2020/5/13</a:t>
             </a:fld>
             <a:endParaRPr lang="zh-CN" altLang="en-US"/>
           </a:p>
@@ -863,7 +863,7 @@
           <a:p>
             <a:fld id="{6FFBED8E-B12C-4B5D-B470-B4529A82CF39}" type="datetimeFigureOut">
               <a:rPr lang="zh-CN" altLang="en-US" smtClean="0"/>
-              <a:t>2020/5/6</a:t>
+              <a:t>2020/5/13</a:t>
             </a:fld>
             <a:endParaRPr lang="zh-CN" altLang="en-US"/>
           </a:p>
@@ -1138,7 +1138,7 @@
           <a:p>
             <a:fld id="{6FFBED8E-B12C-4B5D-B470-B4529A82CF39}" type="datetimeFigureOut">
               <a:rPr lang="zh-CN" altLang="en-US" smtClean="0"/>
-              <a:t>2020/5/6</a:t>
+              <a:t>2020/5/13</a:t>
             </a:fld>
             <a:endParaRPr lang="zh-CN" altLang="en-US"/>
           </a:p>
@@ -1403,7 +1403,7 @@
           <a:p>
             <a:fld id="{6FFBED8E-B12C-4B5D-B470-B4529A82CF39}" type="datetimeFigureOut">
               <a:rPr lang="zh-CN" altLang="en-US" smtClean="0"/>
-              <a:t>2020/5/6</a:t>
+              <a:t>2020/5/13</a:t>
             </a:fld>
             <a:endParaRPr lang="zh-CN" altLang="en-US"/>
           </a:p>
@@ -1815,7 +1815,7 @@
           <a:p>
             <a:fld id="{6FFBED8E-B12C-4B5D-B470-B4529A82CF39}" type="datetimeFigureOut">
               <a:rPr lang="zh-CN" altLang="en-US" smtClean="0"/>
-              <a:t>2020/5/6</a:t>
+              <a:t>2020/5/13</a:t>
             </a:fld>
             <a:endParaRPr lang="zh-CN" altLang="en-US"/>
           </a:p>
@@ -1956,7 +1956,7 @@
           <a:p>
             <a:fld id="{6FFBED8E-B12C-4B5D-B470-B4529A82CF39}" type="datetimeFigureOut">
               <a:rPr lang="zh-CN" altLang="en-US" smtClean="0"/>
-              <a:t>2020/5/6</a:t>
+              <a:t>2020/5/13</a:t>
             </a:fld>
             <a:endParaRPr lang="zh-CN" altLang="en-US"/>
           </a:p>
@@ -2069,7 +2069,7 @@
           <a:p>
             <a:fld id="{6FFBED8E-B12C-4B5D-B470-B4529A82CF39}" type="datetimeFigureOut">
               <a:rPr lang="zh-CN" altLang="en-US" smtClean="0"/>
-              <a:t>2020/5/6</a:t>
+              <a:t>2020/5/13</a:t>
             </a:fld>
             <a:endParaRPr lang="zh-CN" altLang="en-US"/>
           </a:p>
@@ -2380,7 +2380,7 @@
           <a:p>
             <a:fld id="{6FFBED8E-B12C-4B5D-B470-B4529A82CF39}" type="datetimeFigureOut">
               <a:rPr lang="zh-CN" altLang="en-US" smtClean="0"/>
-              <a:t>2020/5/6</a:t>
+              <a:t>2020/5/13</a:t>
             </a:fld>
             <a:endParaRPr lang="zh-CN" altLang="en-US"/>
           </a:p>
@@ -2668,7 +2668,7 @@
           <a:p>
             <a:fld id="{6FFBED8E-B12C-4B5D-B470-B4529A82CF39}" type="datetimeFigureOut">
               <a:rPr lang="zh-CN" altLang="en-US" smtClean="0"/>
-              <a:t>2020/5/6</a:t>
+              <a:t>2020/5/13</a:t>
             </a:fld>
             <a:endParaRPr lang="zh-CN" altLang="en-US"/>
           </a:p>
@@ -2909,7 +2909,7 @@
           <a:p>
             <a:fld id="{6FFBED8E-B12C-4B5D-B470-B4529A82CF39}" type="datetimeFigureOut">
               <a:rPr lang="zh-CN" altLang="en-US" smtClean="0"/>
-              <a:t>2020/5/6</a:t>
+              <a:t>2020/5/13</a:t>
             </a:fld>
             <a:endParaRPr lang="zh-CN" altLang="en-US"/>
           </a:p>
@@ -3328,10 +3328,10 @@
       </p:grpSpPr>
       <p:grpSp>
         <p:nvGrpSpPr>
-          <p:cNvPr id="52" name="组合 51">
+          <p:cNvPr id="69" name="组合 68">
             <a:extLst>
               <a:ext uri="{FF2B5EF4-FFF2-40B4-BE49-F238E27FC236}">
-                <a16:creationId xmlns:a16="http://schemas.microsoft.com/office/drawing/2014/main" id="{D34106BD-1004-4908-9356-120E8E385386}"/>
+                <a16:creationId xmlns:a16="http://schemas.microsoft.com/office/drawing/2014/main" id="{02A2392E-B937-420E-B3DA-BDE88CCCA75D}"/>
               </a:ext>
             </a:extLst>
           </p:cNvPr>
@@ -3340,10 +3340,10 @@
         </p:nvGrpSpPr>
         <p:grpSpPr>
           <a:xfrm>
-            <a:off x="757311" y="1772597"/>
-            <a:ext cx="10677377" cy="2796852"/>
-            <a:chOff x="1445492" y="1452086"/>
-            <a:chExt cx="10677377" cy="2796852"/>
+            <a:off x="317477" y="846836"/>
+            <a:ext cx="11557046" cy="4973943"/>
+            <a:chOff x="578398" y="601739"/>
+            <a:chExt cx="11557046" cy="4973943"/>
           </a:xfrm>
         </p:grpSpPr>
         <p:sp>
@@ -3362,8 +3362,8 @@
           </p:nvSpPr>
           <p:spPr>
             <a:xfrm>
-              <a:off x="1445492" y="2205873"/>
-              <a:ext cx="1432874" cy="742284"/>
+              <a:off x="588838" y="1444806"/>
+              <a:ext cx="1798547" cy="632752"/>
             </a:xfrm>
             <a:prstGeom prst="rect">
               <a:avLst/>
@@ -3428,8 +3428,8 @@
           </p:nvSpPr>
           <p:spPr>
             <a:xfrm>
-              <a:off x="6111713" y="2205871"/>
-              <a:ext cx="1432874" cy="2027847"/>
+              <a:off x="5970287" y="1444806"/>
+              <a:ext cx="1432874" cy="4130876"/>
             </a:xfrm>
             <a:prstGeom prst="rect">
               <a:avLst/>
@@ -3494,8 +3494,8 @@
           </p:nvSpPr>
           <p:spPr>
             <a:xfrm>
-              <a:off x="3869706" y="2205873"/>
-              <a:ext cx="1432874" cy="721506"/>
+              <a:off x="3378484" y="1444806"/>
+              <a:ext cx="1782670" cy="632752"/>
             </a:xfrm>
             <a:prstGeom prst="rect">
               <a:avLst/>
@@ -3558,7 +3558,7 @@
           </p:nvCxnSpPr>
           <p:spPr>
             <a:xfrm flipH="1">
-              <a:off x="7544587" y="2423937"/>
+              <a:off x="7403161" y="1899328"/>
               <a:ext cx="1665401" cy="0"/>
             </a:xfrm>
             <a:prstGeom prst="straightConnector1">
@@ -3603,7 +3603,7 @@
           </p:nvCxnSpPr>
           <p:spPr>
             <a:xfrm flipH="1">
-              <a:off x="7544587" y="2729216"/>
+              <a:off x="7403161" y="2538154"/>
               <a:ext cx="1665401" cy="0"/>
             </a:xfrm>
             <a:prstGeom prst="straightConnector1">
@@ -3648,8 +3648,8 @@
           </p:nvSpPr>
           <p:spPr>
             <a:xfrm>
-              <a:off x="7874526" y="2103427"/>
-              <a:ext cx="933254" cy="307777"/>
+              <a:off x="7345418" y="1540329"/>
+              <a:ext cx="2268741" cy="307777"/>
             </a:xfrm>
             <a:prstGeom prst="rect">
               <a:avLst/>
@@ -3662,6 +3662,7 @@
             </a:bodyPr>
             <a:lstStyle/>
             <a:p>
+              <a:pPr algn="ctr"/>
               <a:r>
                 <a:rPr lang="en-US" altLang="zh-CN" sz="1400" dirty="0">
                   <a:latin typeface="方正喵呜体" panose="02010600010101010101" pitchFamily="2" charset="-122"/>
@@ -3674,7 +3675,7 @@
                   <a:latin typeface="方正喵呜体" panose="02010600010101010101" pitchFamily="2" charset="-122"/>
                   <a:ea typeface="方正喵呜体" panose="02010600010101010101" pitchFamily="2" charset="-122"/>
                 </a:rPr>
-                <a:t>请求</a:t>
+                <a:t>请求返回多个对象</a:t>
               </a:r>
             </a:p>
           </p:txBody>
@@ -3693,7 +3694,7 @@
           </p:nvSpPr>
           <p:spPr>
             <a:xfrm>
-              <a:off x="7874526" y="2423937"/>
+              <a:off x="8008971" y="2244788"/>
               <a:ext cx="933254" cy="307777"/>
             </a:xfrm>
             <a:prstGeom prst="rect">
@@ -3738,7 +3739,7 @@
           </p:nvSpPr>
           <p:spPr>
             <a:xfrm>
-              <a:off x="9294828" y="2414512"/>
+              <a:off x="9153402" y="1889903"/>
               <a:ext cx="2828041" cy="307777"/>
             </a:xfrm>
             <a:prstGeom prst="rect">
@@ -3780,7 +3781,7 @@
           </p:nvCxnSpPr>
           <p:spPr>
             <a:xfrm flipH="1">
-              <a:off x="7544587" y="3396296"/>
+              <a:off x="7403161" y="3737372"/>
               <a:ext cx="1665401" cy="0"/>
             </a:xfrm>
             <a:prstGeom prst="straightConnector1">
@@ -3825,7 +3826,7 @@
           </p:nvCxnSpPr>
           <p:spPr>
             <a:xfrm flipH="1">
-              <a:off x="7544587" y="3701575"/>
+              <a:off x="7403161" y="4443844"/>
               <a:ext cx="1665401" cy="0"/>
             </a:xfrm>
             <a:prstGeom prst="straightConnector1">
@@ -3870,8 +3871,8 @@
           </p:nvSpPr>
           <p:spPr>
             <a:xfrm>
-              <a:off x="7874526" y="3085213"/>
-              <a:ext cx="933254" cy="307777"/>
+              <a:off x="7535068" y="3417683"/>
+              <a:ext cx="1881059" cy="307777"/>
             </a:xfrm>
             <a:prstGeom prst="rect">
               <a:avLst/>
@@ -3896,7 +3897,7 @@
                   <a:latin typeface="方正喵呜体" panose="02010600010101010101" pitchFamily="2" charset="-122"/>
                   <a:ea typeface="方正喵呜体" panose="02010600010101010101" pitchFamily="2" charset="-122"/>
                 </a:rPr>
-                <a:t>请求</a:t>
+                <a:t>请求返回单个对象</a:t>
               </a:r>
             </a:p>
           </p:txBody>
@@ -3915,7 +3916,7 @@
           </p:nvSpPr>
           <p:spPr>
             <a:xfrm>
-              <a:off x="7874526" y="3396296"/>
+              <a:off x="7733100" y="4138565"/>
               <a:ext cx="933254" cy="307777"/>
             </a:xfrm>
             <a:prstGeom prst="rect">
@@ -3960,8 +3961,8 @@
           </p:nvSpPr>
           <p:spPr>
             <a:xfrm>
-              <a:off x="9294828" y="3550748"/>
-              <a:ext cx="2828041" cy="307777"/>
+              <a:off x="8996293" y="4042652"/>
+              <a:ext cx="3139151" cy="307777"/>
             </a:xfrm>
             <a:prstGeom prst="rect">
               <a:avLst/>
@@ -3979,7 +3980,7 @@
                   <a:latin typeface="方正喵呜体" panose="02010600010101010101" pitchFamily="2" charset="-122"/>
                   <a:ea typeface="方正喵呜体" panose="02010600010101010101" pitchFamily="2" charset="-122"/>
                 </a:rPr>
-                <a:t>http://http://127.0.0.1:8000/albums/1/</a:t>
+                <a:t>http://http://127.0.0.1:8000/albums/&lt;pk&gt;/</a:t>
               </a:r>
               <a:endParaRPr lang="zh-CN" altLang="en-US" sz="1400" dirty="0">
                 <a:latin typeface="方正喵呜体" panose="02010600010101010101" pitchFamily="2" charset="-122"/>
@@ -4002,7 +4003,7 @@
           </p:nvCxnSpPr>
           <p:spPr>
             <a:xfrm flipH="1">
-              <a:off x="7544587" y="4018767"/>
+              <a:off x="7403161" y="5242927"/>
               <a:ext cx="1665401" cy="0"/>
             </a:xfrm>
             <a:prstGeom prst="straightConnector1">
@@ -4047,7 +4048,7 @@
           </p:nvSpPr>
           <p:spPr>
             <a:xfrm>
-              <a:off x="7874525" y="3713488"/>
+              <a:off x="7733099" y="4937648"/>
               <a:ext cx="1102935" cy="307777"/>
             </a:xfrm>
             <a:prstGeom prst="rect">
@@ -4092,7 +4093,7 @@
           </p:nvSpPr>
           <p:spPr>
             <a:xfrm>
-              <a:off x="6111713" y="1457096"/>
+              <a:off x="5970287" y="601739"/>
               <a:ext cx="1329178" cy="646331"/>
             </a:xfrm>
             <a:prstGeom prst="rect">
@@ -4188,7 +4189,7 @@
           </p:nvSpPr>
           <p:spPr>
             <a:xfrm>
-              <a:off x="6177700" y="2424937"/>
+              <a:off x="6036274" y="2340095"/>
               <a:ext cx="1282047" cy="523220"/>
             </a:xfrm>
             <a:prstGeom prst="rect">
@@ -4237,7 +4238,7 @@
           </p:nvSpPr>
           <p:spPr>
             <a:xfrm>
-              <a:off x="6177700" y="3559599"/>
+              <a:off x="6036274" y="4071113"/>
               <a:ext cx="1282047" cy="523220"/>
             </a:xfrm>
             <a:prstGeom prst="rect">
@@ -4286,7 +4287,7 @@
           </p:nvSpPr>
           <p:spPr>
             <a:xfrm>
-              <a:off x="3687499" y="1457096"/>
+              <a:off x="3378484" y="601739"/>
               <a:ext cx="1797288" cy="646331"/>
             </a:xfrm>
             <a:prstGeom prst="rect">
@@ -4382,7 +4383,7 @@
           </p:nvSpPr>
           <p:spPr>
             <a:xfrm>
-              <a:off x="3975755" y="2327854"/>
+              <a:off x="3621931" y="1521843"/>
               <a:ext cx="1220774" cy="523220"/>
             </a:xfrm>
             <a:prstGeom prst="rect">
@@ -4402,7 +4403,21 @@
                   <a:latin typeface="方正喵呜体" panose="02010600010101010101" pitchFamily="2" charset="-122"/>
                   <a:ea typeface="方正喵呜体" panose="02010600010101010101" pitchFamily="2" charset="-122"/>
                 </a:rPr>
-                <a:t>AlbumSerializer(instance)</a:t>
+                <a:t>AlbumSerializer(</a:t>
+              </a:r>
+              <a:r>
+                <a:rPr lang="en-US" altLang="zh-CN" sz="1400" dirty="0" err="1">
+                  <a:latin typeface="方正喵呜体" panose="02010600010101010101" pitchFamily="2" charset="-122"/>
+                  <a:ea typeface="方正喵呜体" panose="02010600010101010101" pitchFamily="2" charset="-122"/>
+                </a:rPr>
+                <a:t>queryset</a:t>
+              </a:r>
+              <a:r>
+                <a:rPr lang="en-US" altLang="zh-CN" sz="1400" dirty="0">
+                  <a:latin typeface="方正喵呜体" panose="02010600010101010101" pitchFamily="2" charset="-122"/>
+                  <a:ea typeface="方正喵呜体" panose="02010600010101010101" pitchFamily="2" charset="-122"/>
+                </a:rPr>
+                <a:t>)</a:t>
               </a:r>
               <a:endParaRPr lang="zh-CN" altLang="en-US" sz="1400" dirty="0" err="1">
                 <a:latin typeface="方正喵呜体" panose="02010600010101010101" pitchFamily="2" charset="-122"/>
@@ -4425,7 +4440,7 @@
           </p:nvSpPr>
           <p:spPr>
             <a:xfrm>
-              <a:off x="1502861" y="1452086"/>
+              <a:off x="1011880" y="601739"/>
               <a:ext cx="1313472" cy="646331"/>
             </a:xfrm>
             <a:prstGeom prst="rect">
@@ -4521,8 +4536,8 @@
           </p:nvSpPr>
           <p:spPr>
             <a:xfrm>
-              <a:off x="1621410" y="2419582"/>
-              <a:ext cx="952108" cy="307777"/>
+              <a:off x="634791" y="1629564"/>
+              <a:ext cx="1675246" cy="307777"/>
             </a:xfrm>
             <a:prstGeom prst="rect">
               <a:avLst/>
@@ -4537,16 +4552,26 @@
             <a:p>
               <a:pPr algn="ctr"/>
               <a:r>
+                <a:rPr lang="zh-CN" altLang="en-US" sz="1400" dirty="0">
+                  <a:latin typeface="方正喵呜体" panose="02010600010101010101" pitchFamily="2" charset="-122"/>
+                  <a:ea typeface="方正喵呜体" panose="02010600010101010101" pitchFamily="2" charset="-122"/>
+                </a:rPr>
+                <a:t>返回多个</a:t>
+              </a:r>
+              <a:r>
                 <a:rPr lang="en-US" altLang="zh-CN" sz="1400" dirty="0">
                   <a:latin typeface="方正喵呜体" panose="02010600010101010101" pitchFamily="2" charset="-122"/>
                   <a:ea typeface="方正喵呜体" panose="02010600010101010101" pitchFamily="2" charset="-122"/>
                 </a:rPr>
                 <a:t>Album</a:t>
               </a:r>
-              <a:endParaRPr lang="zh-CN" altLang="en-US" sz="1400" dirty="0" err="1">
-                <a:latin typeface="方正喵呜体" panose="02010600010101010101" pitchFamily="2" charset="-122"/>
-                <a:ea typeface="方正喵呜体" panose="02010600010101010101" pitchFamily="2" charset="-122"/>
-              </a:endParaRPr>
+              <a:r>
+                <a:rPr lang="zh-CN" altLang="en-US" sz="1400" dirty="0">
+                  <a:latin typeface="方正喵呜体" panose="02010600010101010101" pitchFamily="2" charset="-122"/>
+                  <a:ea typeface="方正喵呜体" panose="02010600010101010101" pitchFamily="2" charset="-122"/>
+                </a:rPr>
+                <a:t>实例</a:t>
+              </a:r>
             </a:p>
           </p:txBody>
         </p:sp>
@@ -4559,13 +4584,17 @@
                 </a:ext>
               </a:extLst>
             </p:cNvPr>
-            <p:cNvCxnSpPr/>
+            <p:cNvCxnSpPr>
+              <a:cxnSpLocks/>
+              <a:stCxn id="37" idx="1"/>
+              <a:endCxn id="36" idx="3"/>
+            </p:cNvCxnSpPr>
             <p:nvPr/>
           </p:nvCxnSpPr>
           <p:spPr>
             <a:xfrm flipH="1">
-              <a:off x="2878366" y="3828136"/>
-              <a:ext cx="991340" cy="0"/>
+              <a:off x="2397584" y="2539975"/>
+              <a:ext cx="963490" cy="0"/>
             </a:xfrm>
             <a:prstGeom prst="straightConnector1">
               <a:avLst/>
@@ -4609,7 +4638,7 @@
           </p:nvSpPr>
           <p:spPr>
             <a:xfrm>
-              <a:off x="2830060" y="3297989"/>
+              <a:off x="2349278" y="2014934"/>
               <a:ext cx="1097389" cy="523220"/>
             </a:xfrm>
             <a:prstGeom prst="rect">
@@ -4673,7 +4702,7 @@
           </p:nvCxnSpPr>
           <p:spPr>
             <a:xfrm flipV="1">
-              <a:off x="2878366" y="2722289"/>
+              <a:off x="2387385" y="1866331"/>
               <a:ext cx="991340" cy="6927"/>
             </a:xfrm>
             <a:prstGeom prst="straightConnector1">
@@ -4718,7 +4747,7 @@
           </p:nvSpPr>
           <p:spPr>
             <a:xfrm>
-              <a:off x="2830060" y="2205996"/>
+              <a:off x="2339079" y="1350038"/>
               <a:ext cx="1097389" cy="523220"/>
             </a:xfrm>
             <a:prstGeom prst="rect">
@@ -4784,8 +4813,8 @@
           </p:nvSpPr>
           <p:spPr>
             <a:xfrm>
-              <a:off x="1445492" y="3506654"/>
-              <a:ext cx="1432874" cy="742284"/>
+              <a:off x="588838" y="2223599"/>
+              <a:ext cx="1808746" cy="632752"/>
             </a:xfrm>
             <a:prstGeom prst="rect">
               <a:avLst/>
@@ -4850,8 +4879,8 @@
           </p:nvSpPr>
           <p:spPr>
             <a:xfrm>
-              <a:off x="3869706" y="3506654"/>
-              <a:ext cx="1432874" cy="721506"/>
+              <a:off x="3361074" y="2223599"/>
+              <a:ext cx="1800080" cy="632752"/>
             </a:xfrm>
             <a:prstGeom prst="rect">
               <a:avLst/>
@@ -4914,7 +4943,7 @@
           </p:nvSpPr>
           <p:spPr>
             <a:xfrm>
-              <a:off x="3975755" y="3616186"/>
+              <a:off x="3609659" y="2280338"/>
               <a:ext cx="1220774" cy="523220"/>
             </a:xfrm>
             <a:prstGeom prst="rect">
@@ -4974,8 +5003,8 @@
           </p:nvSpPr>
           <p:spPr>
             <a:xfrm>
-              <a:off x="1621410" y="3701575"/>
-              <a:ext cx="952108" cy="307777"/>
+              <a:off x="816139" y="2373716"/>
+              <a:ext cx="1332322" cy="307777"/>
             </a:xfrm>
             <a:prstGeom prst="rect">
               <a:avLst/>
@@ -4990,16 +5019,26 @@
             <a:p>
               <a:pPr algn="ctr"/>
               <a:r>
+                <a:rPr lang="zh-CN" altLang="en-US" sz="1400" dirty="0">
+                  <a:latin typeface="方正喵呜体" panose="02010600010101010101" pitchFamily="2" charset="-122"/>
+                  <a:ea typeface="方正喵呜体" panose="02010600010101010101" pitchFamily="2" charset="-122"/>
+                </a:rPr>
+                <a:t>创建</a:t>
+              </a:r>
+              <a:r>
                 <a:rPr lang="en-US" altLang="zh-CN" sz="1400" dirty="0">
                   <a:latin typeface="方正喵呜体" panose="02010600010101010101" pitchFamily="2" charset="-122"/>
                   <a:ea typeface="方正喵呜体" panose="02010600010101010101" pitchFamily="2" charset="-122"/>
                 </a:rPr>
                 <a:t>Album</a:t>
               </a:r>
-              <a:endParaRPr lang="zh-CN" altLang="en-US" sz="1400" dirty="0" err="1">
-                <a:latin typeface="方正喵呜体" panose="02010600010101010101" pitchFamily="2" charset="-122"/>
-                <a:ea typeface="方正喵呜体" panose="02010600010101010101" pitchFamily="2" charset="-122"/>
-              </a:endParaRPr>
+              <a:r>
+                <a:rPr lang="zh-CN" altLang="en-US" sz="1400" dirty="0">
+                  <a:latin typeface="方正喵呜体" panose="02010600010101010101" pitchFamily="2" charset="-122"/>
+                  <a:ea typeface="方正喵呜体" panose="02010600010101010101" pitchFamily="2" charset="-122"/>
+                </a:rPr>
+                <a:t>实例</a:t>
+              </a:r>
             </a:p>
           </p:txBody>
         </p:sp>
@@ -5017,7 +5056,7 @@
           </p:nvCxnSpPr>
           <p:spPr>
             <a:xfrm>
-              <a:off x="5302580" y="2722289"/>
+              <a:off x="5161154" y="1885775"/>
               <a:ext cx="793420" cy="0"/>
             </a:xfrm>
             <a:prstGeom prst="straightConnector1">
@@ -5064,7 +5103,527 @@
           </p:nvCxnSpPr>
           <p:spPr>
             <a:xfrm flipH="1">
-              <a:off x="5302580" y="3839126"/>
+              <a:off x="5153297" y="2527604"/>
+              <a:ext cx="809133" cy="0"/>
+            </a:xfrm>
+            <a:prstGeom prst="straightConnector1">
+              <a:avLst/>
+            </a:prstGeom>
+            <a:ln w="19050">
+              <a:solidFill>
+                <a:schemeClr val="tx1">
+                  <a:lumMod val="65000"/>
+                  <a:lumOff val="35000"/>
+                </a:schemeClr>
+              </a:solidFill>
+              <a:tailEnd type="triangle"/>
+            </a:ln>
+          </p:spPr>
+          <p:style>
+            <a:lnRef idx="1">
+              <a:schemeClr val="accent1"/>
+            </a:lnRef>
+            <a:fillRef idx="0">
+              <a:schemeClr val="accent1"/>
+            </a:fillRef>
+            <a:effectRef idx="0">
+              <a:schemeClr val="accent1"/>
+            </a:effectRef>
+            <a:fontRef idx="minor">
+              <a:schemeClr val="tx1"/>
+            </a:fontRef>
+          </p:style>
+        </p:cxnSp>
+        <p:cxnSp>
+          <p:nvCxnSpPr>
+            <p:cNvPr id="40" name="直接箭头连接符 39">
+              <a:extLst>
+                <a:ext uri="{FF2B5EF4-FFF2-40B4-BE49-F238E27FC236}">
+                  <a16:creationId xmlns:a16="http://schemas.microsoft.com/office/drawing/2014/main" id="{1C708300-739D-4C53-BB75-33C4FFD23D52}"/>
+                </a:ext>
+              </a:extLst>
+            </p:cNvPr>
+            <p:cNvCxnSpPr>
+              <a:cxnSpLocks/>
+            </p:cNvCxnSpPr>
+            <p:nvPr/>
+          </p:nvCxnSpPr>
+          <p:spPr>
+            <a:xfrm flipH="1">
+              <a:off x="2387144" y="4437899"/>
+              <a:ext cx="991340" cy="0"/>
+            </a:xfrm>
+            <a:prstGeom prst="straightConnector1">
+              <a:avLst/>
+            </a:prstGeom>
+            <a:ln w="19050">
+              <a:solidFill>
+                <a:schemeClr val="tx1">
+                  <a:lumMod val="65000"/>
+                  <a:lumOff val="35000"/>
+                </a:schemeClr>
+              </a:solidFill>
+              <a:tailEnd type="triangle"/>
+            </a:ln>
+          </p:spPr>
+          <p:style>
+            <a:lnRef idx="1">
+              <a:schemeClr val="accent1"/>
+            </a:lnRef>
+            <a:fillRef idx="0">
+              <a:schemeClr val="accent1"/>
+            </a:fillRef>
+            <a:effectRef idx="0">
+              <a:schemeClr val="accent1"/>
+            </a:effectRef>
+            <a:fontRef idx="minor">
+              <a:schemeClr val="tx1"/>
+            </a:fontRef>
+          </p:style>
+        </p:cxnSp>
+        <p:sp>
+          <p:nvSpPr>
+            <p:cNvPr id="43" name="矩形 42">
+              <a:extLst>
+                <a:ext uri="{FF2B5EF4-FFF2-40B4-BE49-F238E27FC236}">
+                  <a16:creationId xmlns:a16="http://schemas.microsoft.com/office/drawing/2014/main" id="{1B7288AB-E779-49BA-9009-DBDE892125A1}"/>
+                </a:ext>
+              </a:extLst>
+            </p:cNvPr>
+            <p:cNvSpPr>
+              <a:spLocks/>
+            </p:cNvSpPr>
+            <p:nvPr/>
+          </p:nvSpPr>
+          <p:spPr>
+            <a:xfrm>
+              <a:off x="578398" y="4116417"/>
+              <a:ext cx="1808746" cy="632752"/>
+            </a:xfrm>
+            <a:prstGeom prst="rect">
+              <a:avLst/>
+            </a:prstGeom>
+            <a:noFill/>
+            <a:ln w="19050">
+              <a:solidFill>
+                <a:schemeClr val="tx1">
+                  <a:lumMod val="50000"/>
+                  <a:lumOff val="50000"/>
+                </a:schemeClr>
+              </a:solidFill>
+            </a:ln>
+          </p:spPr>
+          <p:style>
+            <a:lnRef idx="2">
+              <a:schemeClr val="accent1">
+                <a:shade val="50000"/>
+              </a:schemeClr>
+            </a:lnRef>
+            <a:fillRef idx="1">
+              <a:schemeClr val="accent1"/>
+            </a:fillRef>
+            <a:effectRef idx="0">
+              <a:schemeClr val="accent1"/>
+            </a:effectRef>
+            <a:fontRef idx="minor">
+              <a:schemeClr val="lt1"/>
+            </a:fontRef>
+          </p:style>
+          <p:txBody>
+            <a:bodyPr rtlCol="0" anchor="ctr"/>
+            <a:lstStyle/>
+            <a:p>
+              <a:pPr algn="ctr"/>
+              <a:endParaRPr lang="zh-CN" altLang="en-US" dirty="0">
+                <a:solidFill>
+                  <a:schemeClr val="tx1">
+                    <a:lumMod val="85000"/>
+                    <a:lumOff val="15000"/>
+                  </a:schemeClr>
+                </a:solidFill>
+                <a:latin typeface="方正喵呜体" panose="02010600010101010101" pitchFamily="2" charset="-122"/>
+                <a:ea typeface="方正喵呜体" panose="02010600010101010101" pitchFamily="2" charset="-122"/>
+              </a:endParaRPr>
+            </a:p>
+          </p:txBody>
+        </p:sp>
+        <p:sp>
+          <p:nvSpPr>
+            <p:cNvPr id="44" name="矩形 43">
+              <a:extLst>
+                <a:ext uri="{FF2B5EF4-FFF2-40B4-BE49-F238E27FC236}">
+                  <a16:creationId xmlns:a16="http://schemas.microsoft.com/office/drawing/2014/main" id="{60CED025-9DE9-46D1-9D36-375C96858D0E}"/>
+                </a:ext>
+              </a:extLst>
+            </p:cNvPr>
+            <p:cNvSpPr>
+              <a:spLocks/>
+            </p:cNvSpPr>
+            <p:nvPr/>
+          </p:nvSpPr>
+          <p:spPr>
+            <a:xfrm>
+              <a:off x="3369277" y="4116417"/>
+              <a:ext cx="1791877" cy="632752"/>
+            </a:xfrm>
+            <a:prstGeom prst="rect">
+              <a:avLst/>
+            </a:prstGeom>
+            <a:noFill/>
+            <a:ln w="19050">
+              <a:solidFill>
+                <a:schemeClr val="tx1">
+                  <a:lumMod val="50000"/>
+                  <a:lumOff val="50000"/>
+                </a:schemeClr>
+              </a:solidFill>
+            </a:ln>
+          </p:spPr>
+          <p:style>
+            <a:lnRef idx="2">
+              <a:schemeClr val="accent1">
+                <a:shade val="50000"/>
+              </a:schemeClr>
+            </a:lnRef>
+            <a:fillRef idx="1">
+              <a:schemeClr val="accent1"/>
+            </a:fillRef>
+            <a:effectRef idx="0">
+              <a:schemeClr val="accent1"/>
+            </a:effectRef>
+            <a:fontRef idx="minor">
+              <a:schemeClr val="lt1"/>
+            </a:fontRef>
+          </p:style>
+          <p:txBody>
+            <a:bodyPr rtlCol="0" anchor="ctr"/>
+            <a:lstStyle/>
+            <a:p>
+              <a:pPr algn="ctr"/>
+              <a:endParaRPr lang="zh-CN" altLang="en-US" dirty="0">
+                <a:solidFill>
+                  <a:schemeClr val="tx1">
+                    <a:lumMod val="85000"/>
+                    <a:lumOff val="15000"/>
+                  </a:schemeClr>
+                </a:solidFill>
+                <a:latin typeface="方正喵呜体" panose="02010600010101010101" pitchFamily="2" charset="-122"/>
+                <a:ea typeface="方正喵呜体" panose="02010600010101010101" pitchFamily="2" charset="-122"/>
+              </a:endParaRPr>
+            </a:p>
+          </p:txBody>
+        </p:sp>
+        <p:sp>
+          <p:nvSpPr>
+            <p:cNvPr id="45" name="文本框 44">
+              <a:extLst>
+                <a:ext uri="{FF2B5EF4-FFF2-40B4-BE49-F238E27FC236}">
+                  <a16:creationId xmlns:a16="http://schemas.microsoft.com/office/drawing/2014/main" id="{F3CC2399-1A82-4C70-83A4-C02DA90E22E5}"/>
+                </a:ext>
+              </a:extLst>
+            </p:cNvPr>
+            <p:cNvSpPr txBox="1"/>
+            <p:nvPr/>
+          </p:nvSpPr>
+          <p:spPr>
+            <a:xfrm>
+              <a:off x="3342599" y="4139385"/>
+              <a:ext cx="1853111" cy="523220"/>
+            </a:xfrm>
+            <a:prstGeom prst="rect">
+              <a:avLst/>
+            </a:prstGeom>
+            <a:noFill/>
+          </p:spPr>
+          <p:txBody>
+            <a:bodyPr wrap="square" rtlCol="0">
+              <a:spAutoFit/>
+            </a:bodyPr>
+            <a:lstStyle/>
+            <a:p>
+              <a:pPr algn="ctr"/>
+              <a:r>
+                <a:rPr lang="en-US" altLang="zh-CN" sz="1400" dirty="0">
+                  <a:latin typeface="方正喵呜体" panose="02010600010101010101" pitchFamily="2" charset="-122"/>
+                  <a:ea typeface="方正喵呜体" panose="02010600010101010101" pitchFamily="2" charset="-122"/>
+                </a:rPr>
+                <a:t>AlbumSerializer</a:t>
+              </a:r>
+              <a:r>
+                <a:rPr lang="zh-CN" altLang="en-US" sz="1400" dirty="0">
+                  <a:latin typeface="方正喵呜体" panose="02010600010101010101" pitchFamily="2" charset="-122"/>
+                  <a:ea typeface="方正喵呜体" panose="02010600010101010101" pitchFamily="2" charset="-122"/>
+                </a:rPr>
+                <a:t>（</a:t>
+              </a:r>
+              <a:r>
+                <a:rPr lang="en-US" altLang="zh-CN" sz="1400" dirty="0">
+                  <a:latin typeface="方正喵呜体" panose="02010600010101010101" pitchFamily="2" charset="-122"/>
+                  <a:ea typeface="方正喵呜体" panose="02010600010101010101" pitchFamily="2" charset="-122"/>
+                </a:rPr>
+                <a:t>instance</a:t>
+              </a:r>
+              <a:r>
+                <a:rPr lang="zh-CN" altLang="en-US" sz="1400" dirty="0">
+                  <a:latin typeface="方正喵呜体" panose="02010600010101010101" pitchFamily="2" charset="-122"/>
+                  <a:ea typeface="方正喵呜体" panose="02010600010101010101" pitchFamily="2" charset="-122"/>
+                </a:rPr>
+                <a:t>，</a:t>
+              </a:r>
+              <a:r>
+                <a:rPr lang="en-US" altLang="zh-CN" sz="1400" dirty="0">
+                  <a:latin typeface="方正喵呜体" panose="02010600010101010101" pitchFamily="2" charset="-122"/>
+                  <a:ea typeface="方正喵呜体" panose="02010600010101010101" pitchFamily="2" charset="-122"/>
+                </a:rPr>
+                <a:t>data=data</a:t>
+              </a:r>
+              <a:r>
+                <a:rPr lang="zh-CN" altLang="en-US" sz="1400" dirty="0">
+                  <a:latin typeface="方正喵呜体" panose="02010600010101010101" pitchFamily="2" charset="-122"/>
+                  <a:ea typeface="方正喵呜体" panose="02010600010101010101" pitchFamily="2" charset="-122"/>
+                </a:rPr>
+                <a:t>）</a:t>
+              </a:r>
+            </a:p>
+          </p:txBody>
+        </p:sp>
+        <p:sp>
+          <p:nvSpPr>
+            <p:cNvPr id="46" name="文本框 45">
+              <a:extLst>
+                <a:ext uri="{FF2B5EF4-FFF2-40B4-BE49-F238E27FC236}">
+                  <a16:creationId xmlns:a16="http://schemas.microsoft.com/office/drawing/2014/main" id="{BBFD0B12-9C9D-4C4D-8964-E52BA66E21B6}"/>
+                </a:ext>
+              </a:extLst>
+            </p:cNvPr>
+            <p:cNvSpPr txBox="1"/>
+            <p:nvPr/>
+          </p:nvSpPr>
+          <p:spPr>
+            <a:xfrm>
+              <a:off x="804060" y="4278904"/>
+              <a:ext cx="1319795" cy="307777"/>
+            </a:xfrm>
+            <a:prstGeom prst="rect">
+              <a:avLst/>
+            </a:prstGeom>
+            <a:noFill/>
+          </p:spPr>
+          <p:txBody>
+            <a:bodyPr wrap="square" rtlCol="0">
+              <a:spAutoFit/>
+            </a:bodyPr>
+            <a:lstStyle/>
+            <a:p>
+              <a:pPr algn="ctr"/>
+              <a:r>
+                <a:rPr lang="zh-CN" altLang="en-US" sz="1400" dirty="0">
+                  <a:latin typeface="方正喵呜体" panose="02010600010101010101" pitchFamily="2" charset="-122"/>
+                  <a:ea typeface="方正喵呜体" panose="02010600010101010101" pitchFamily="2" charset="-122"/>
+                </a:rPr>
+                <a:t>更新</a:t>
+              </a:r>
+              <a:r>
+                <a:rPr lang="en-US" altLang="zh-CN" sz="1400" dirty="0">
+                  <a:latin typeface="方正喵呜体" panose="02010600010101010101" pitchFamily="2" charset="-122"/>
+                  <a:ea typeface="方正喵呜体" panose="02010600010101010101" pitchFamily="2" charset="-122"/>
+                </a:rPr>
+                <a:t>Album</a:t>
+              </a:r>
+              <a:r>
+                <a:rPr lang="zh-CN" altLang="en-US" sz="1400" dirty="0">
+                  <a:latin typeface="方正喵呜体" panose="02010600010101010101" pitchFamily="2" charset="-122"/>
+                  <a:ea typeface="方正喵呜体" panose="02010600010101010101" pitchFamily="2" charset="-122"/>
+                </a:rPr>
+                <a:t>实例</a:t>
+              </a:r>
+            </a:p>
+          </p:txBody>
+        </p:sp>
+        <p:sp>
+          <p:nvSpPr>
+            <p:cNvPr id="48" name="矩形 47">
+              <a:extLst>
+                <a:ext uri="{FF2B5EF4-FFF2-40B4-BE49-F238E27FC236}">
+                  <a16:creationId xmlns:a16="http://schemas.microsoft.com/office/drawing/2014/main" id="{9910D30E-96AD-482C-A476-127B94135728}"/>
+                </a:ext>
+              </a:extLst>
+            </p:cNvPr>
+            <p:cNvSpPr>
+              <a:spLocks/>
+            </p:cNvSpPr>
+            <p:nvPr/>
+          </p:nvSpPr>
+          <p:spPr>
+            <a:xfrm>
+              <a:off x="578398" y="4942930"/>
+              <a:ext cx="1808746" cy="632752"/>
+            </a:xfrm>
+            <a:prstGeom prst="rect">
+              <a:avLst/>
+            </a:prstGeom>
+            <a:noFill/>
+            <a:ln w="19050">
+              <a:solidFill>
+                <a:schemeClr val="tx1">
+                  <a:lumMod val="50000"/>
+                  <a:lumOff val="50000"/>
+                </a:schemeClr>
+              </a:solidFill>
+            </a:ln>
+          </p:spPr>
+          <p:style>
+            <a:lnRef idx="2">
+              <a:schemeClr val="accent1">
+                <a:shade val="50000"/>
+              </a:schemeClr>
+            </a:lnRef>
+            <a:fillRef idx="1">
+              <a:schemeClr val="accent1"/>
+            </a:fillRef>
+            <a:effectRef idx="0">
+              <a:schemeClr val="accent1"/>
+            </a:effectRef>
+            <a:fontRef idx="minor">
+              <a:schemeClr val="lt1"/>
+            </a:fontRef>
+          </p:style>
+          <p:txBody>
+            <a:bodyPr rtlCol="0" anchor="ctr"/>
+            <a:lstStyle/>
+            <a:p>
+              <a:pPr algn="ctr"/>
+              <a:endParaRPr lang="zh-CN" altLang="en-US" dirty="0">
+                <a:solidFill>
+                  <a:schemeClr val="tx1">
+                    <a:lumMod val="85000"/>
+                    <a:lumOff val="15000"/>
+                  </a:schemeClr>
+                </a:solidFill>
+                <a:latin typeface="方正喵呜体" panose="02010600010101010101" pitchFamily="2" charset="-122"/>
+                <a:ea typeface="方正喵呜体" panose="02010600010101010101" pitchFamily="2" charset="-122"/>
+              </a:endParaRPr>
+            </a:p>
+          </p:txBody>
+        </p:sp>
+        <p:sp>
+          <p:nvSpPr>
+            <p:cNvPr id="49" name="文本框 48">
+              <a:extLst>
+                <a:ext uri="{FF2B5EF4-FFF2-40B4-BE49-F238E27FC236}">
+                  <a16:creationId xmlns:a16="http://schemas.microsoft.com/office/drawing/2014/main" id="{A55AEA3F-FEB4-4AB8-9A5E-C232CDBB22F1}"/>
+                </a:ext>
+              </a:extLst>
+            </p:cNvPr>
+            <p:cNvSpPr txBox="1"/>
+            <p:nvPr/>
+          </p:nvSpPr>
+          <p:spPr>
+            <a:xfrm>
+              <a:off x="794012" y="5105417"/>
+              <a:ext cx="1319795" cy="307777"/>
+            </a:xfrm>
+            <a:prstGeom prst="rect">
+              <a:avLst/>
+            </a:prstGeom>
+            <a:noFill/>
+          </p:spPr>
+          <p:txBody>
+            <a:bodyPr wrap="square" rtlCol="0">
+              <a:spAutoFit/>
+            </a:bodyPr>
+            <a:lstStyle/>
+            <a:p>
+              <a:pPr algn="ctr"/>
+              <a:r>
+                <a:rPr lang="zh-CN" altLang="en-US" sz="1400" dirty="0">
+                  <a:latin typeface="方正喵呜体" panose="02010600010101010101" pitchFamily="2" charset="-122"/>
+                  <a:ea typeface="方正喵呜体" panose="02010600010101010101" pitchFamily="2" charset="-122"/>
+                </a:rPr>
+                <a:t>删除</a:t>
+              </a:r>
+              <a:r>
+                <a:rPr lang="en-US" altLang="zh-CN" sz="1400" dirty="0">
+                  <a:latin typeface="方正喵呜体" panose="02010600010101010101" pitchFamily="2" charset="-122"/>
+                  <a:ea typeface="方正喵呜体" panose="02010600010101010101" pitchFamily="2" charset="-122"/>
+                </a:rPr>
+                <a:t>Album</a:t>
+              </a:r>
+              <a:r>
+                <a:rPr lang="zh-CN" altLang="en-US" sz="1400" dirty="0">
+                  <a:latin typeface="方正喵呜体" panose="02010600010101010101" pitchFamily="2" charset="-122"/>
+                  <a:ea typeface="方正喵呜体" panose="02010600010101010101" pitchFamily="2" charset="-122"/>
+                </a:rPr>
+                <a:t>实例</a:t>
+              </a:r>
+            </a:p>
+          </p:txBody>
+        </p:sp>
+        <p:cxnSp>
+          <p:nvCxnSpPr>
+            <p:cNvPr id="22" name="直接箭头连接符 21">
+              <a:extLst>
+                <a:ext uri="{FF2B5EF4-FFF2-40B4-BE49-F238E27FC236}">
+                  <a16:creationId xmlns:a16="http://schemas.microsoft.com/office/drawing/2014/main" id="{327E1BC3-3600-4494-A6C2-2894134630D7}"/>
+                </a:ext>
+              </a:extLst>
+            </p:cNvPr>
+            <p:cNvCxnSpPr>
+              <a:cxnSpLocks/>
+              <a:endCxn id="48" idx="3"/>
+            </p:cNvCxnSpPr>
+            <p:nvPr/>
+          </p:nvCxnSpPr>
+          <p:spPr>
+            <a:xfrm flipH="1">
+              <a:off x="2387144" y="5242927"/>
+              <a:ext cx="3582902" cy="16379"/>
+            </a:xfrm>
+            <a:prstGeom prst="straightConnector1">
+              <a:avLst/>
+            </a:prstGeom>
+            <a:ln w="19050">
+              <a:solidFill>
+                <a:schemeClr val="tx1">
+                  <a:lumMod val="65000"/>
+                  <a:lumOff val="35000"/>
+                </a:schemeClr>
+              </a:solidFill>
+              <a:tailEnd type="triangle"/>
+            </a:ln>
+          </p:spPr>
+          <p:style>
+            <a:lnRef idx="1">
+              <a:schemeClr val="accent1"/>
+            </a:lnRef>
+            <a:fillRef idx="0">
+              <a:schemeClr val="accent1"/>
+            </a:fillRef>
+            <a:effectRef idx="0">
+              <a:schemeClr val="accent1"/>
+            </a:effectRef>
+            <a:fontRef idx="minor">
+              <a:schemeClr val="tx1"/>
+            </a:fontRef>
+          </p:style>
+        </p:cxnSp>
+        <p:cxnSp>
+          <p:nvCxnSpPr>
+            <p:cNvPr id="53" name="直接箭头连接符 52">
+              <a:extLst>
+                <a:ext uri="{FF2B5EF4-FFF2-40B4-BE49-F238E27FC236}">
+                  <a16:creationId xmlns:a16="http://schemas.microsoft.com/office/drawing/2014/main" id="{B456CCD7-433E-4528-8137-E1B6E3C6EEAD}"/>
+                </a:ext>
+              </a:extLst>
+            </p:cNvPr>
+            <p:cNvCxnSpPr>
+              <a:cxnSpLocks/>
+            </p:cNvCxnSpPr>
+            <p:nvPr/>
+          </p:nvCxnSpPr>
+          <p:spPr>
+            <a:xfrm flipH="1">
+              <a:off x="5165230" y="4400995"/>
               <a:ext cx="809133" cy="0"/>
             </a:xfrm>
             <a:prstGeom prst="straightConnector1">
@@ -5097,10 +5656,142 @@
         </p:cxnSp>
         <p:sp>
           <p:nvSpPr>
-            <p:cNvPr id="50" name="文本框 49">
+            <p:cNvPr id="59" name="矩形 58">
               <a:extLst>
                 <a:ext uri="{FF2B5EF4-FFF2-40B4-BE49-F238E27FC236}">
-                  <a16:creationId xmlns:a16="http://schemas.microsoft.com/office/drawing/2014/main" id="{1359F6BA-FC3A-453D-B400-433E4AB9A1F8}"/>
+                  <a16:creationId xmlns:a16="http://schemas.microsoft.com/office/drawing/2014/main" id="{F6DFED1D-D4A1-4A34-B6D3-806010ABAA65}"/>
+                </a:ext>
+              </a:extLst>
+            </p:cNvPr>
+            <p:cNvSpPr>
+              <a:spLocks/>
+            </p:cNvSpPr>
+            <p:nvPr/>
+          </p:nvSpPr>
+          <p:spPr>
+            <a:xfrm>
+              <a:off x="588838" y="3292726"/>
+              <a:ext cx="1798547" cy="632752"/>
+            </a:xfrm>
+            <a:prstGeom prst="rect">
+              <a:avLst/>
+            </a:prstGeom>
+            <a:noFill/>
+            <a:ln w="19050">
+              <a:solidFill>
+                <a:schemeClr val="tx1">
+                  <a:lumMod val="50000"/>
+                  <a:lumOff val="50000"/>
+                </a:schemeClr>
+              </a:solidFill>
+            </a:ln>
+          </p:spPr>
+          <p:style>
+            <a:lnRef idx="2">
+              <a:schemeClr val="accent1">
+                <a:shade val="50000"/>
+              </a:schemeClr>
+            </a:lnRef>
+            <a:fillRef idx="1">
+              <a:schemeClr val="accent1"/>
+            </a:fillRef>
+            <a:effectRef idx="0">
+              <a:schemeClr val="accent1"/>
+            </a:effectRef>
+            <a:fontRef idx="minor">
+              <a:schemeClr val="lt1"/>
+            </a:fontRef>
+          </p:style>
+          <p:txBody>
+            <a:bodyPr rtlCol="0" anchor="ctr"/>
+            <a:lstStyle/>
+            <a:p>
+              <a:pPr algn="ctr"/>
+              <a:endParaRPr lang="zh-CN" altLang="en-US" dirty="0">
+                <a:solidFill>
+                  <a:schemeClr val="tx1">
+                    <a:lumMod val="85000"/>
+                    <a:lumOff val="15000"/>
+                  </a:schemeClr>
+                </a:solidFill>
+                <a:latin typeface="方正喵呜体" panose="02010600010101010101" pitchFamily="2" charset="-122"/>
+                <a:ea typeface="方正喵呜体" panose="02010600010101010101" pitchFamily="2" charset="-122"/>
+              </a:endParaRPr>
+            </a:p>
+          </p:txBody>
+        </p:sp>
+        <p:sp>
+          <p:nvSpPr>
+            <p:cNvPr id="60" name="矩形 59">
+              <a:extLst>
+                <a:ext uri="{FF2B5EF4-FFF2-40B4-BE49-F238E27FC236}">
+                  <a16:creationId xmlns:a16="http://schemas.microsoft.com/office/drawing/2014/main" id="{35F1D865-E893-4437-83AC-CC5D94A508AE}"/>
+                </a:ext>
+              </a:extLst>
+            </p:cNvPr>
+            <p:cNvSpPr>
+              <a:spLocks/>
+            </p:cNvSpPr>
+            <p:nvPr/>
+          </p:nvSpPr>
+          <p:spPr>
+            <a:xfrm>
+              <a:off x="3378484" y="3292726"/>
+              <a:ext cx="1782670" cy="632752"/>
+            </a:xfrm>
+            <a:prstGeom prst="rect">
+              <a:avLst/>
+            </a:prstGeom>
+            <a:noFill/>
+            <a:ln w="19050">
+              <a:solidFill>
+                <a:schemeClr val="tx1">
+                  <a:lumMod val="50000"/>
+                  <a:lumOff val="50000"/>
+                </a:schemeClr>
+              </a:solidFill>
+            </a:ln>
+          </p:spPr>
+          <p:style>
+            <a:lnRef idx="2">
+              <a:schemeClr val="accent1">
+                <a:shade val="50000"/>
+              </a:schemeClr>
+            </a:lnRef>
+            <a:fillRef idx="1">
+              <a:schemeClr val="accent1"/>
+            </a:fillRef>
+            <a:effectRef idx="0">
+              <a:schemeClr val="accent1"/>
+            </a:effectRef>
+            <a:fontRef idx="minor">
+              <a:schemeClr val="lt1"/>
+            </a:fontRef>
+          </p:style>
+          <p:txBody>
+            <a:bodyPr rtlCol="0" anchor="ctr"/>
+            <a:lstStyle/>
+            <a:p>
+              <a:pPr algn="ctr"/>
+              <a:endParaRPr lang="zh-CN" altLang="en-US" dirty="0">
+                <a:solidFill>
+                  <a:schemeClr val="tx1">
+                    <a:lumMod val="85000"/>
+                    <a:lumOff val="15000"/>
+                  </a:schemeClr>
+                </a:solidFill>
+                <a:latin typeface="方正喵呜体" panose="02010600010101010101" pitchFamily="2" charset="-122"/>
+                <a:ea typeface="方正喵呜体" panose="02010600010101010101" pitchFamily="2" charset="-122"/>
+              </a:endParaRPr>
+            </a:p>
+          </p:txBody>
+        </p:sp>
+        <p:sp>
+          <p:nvSpPr>
+            <p:cNvPr id="61" name="文本框 60">
+              <a:extLst>
+                <a:ext uri="{FF2B5EF4-FFF2-40B4-BE49-F238E27FC236}">
+                  <a16:creationId xmlns:a16="http://schemas.microsoft.com/office/drawing/2014/main" id="{20FFC1A0-8922-4960-BE9E-263F8D1E14BE}"/>
                 </a:ext>
               </a:extLst>
             </p:cNvPr>
@@ -5109,8 +5800,8 @@
           </p:nvSpPr>
           <p:spPr>
             <a:xfrm>
-              <a:off x="5238552" y="2363169"/>
-              <a:ext cx="941152" cy="307777"/>
+              <a:off x="3621931" y="3369763"/>
+              <a:ext cx="1220774" cy="523220"/>
             </a:xfrm>
             <a:prstGeom prst="rect">
               <a:avLst/>
@@ -5129,9 +5820,9 @@
                   <a:latin typeface="方正喵呜体" panose="02010600010101010101" pitchFamily="2" charset="-122"/>
                   <a:ea typeface="方正喵呜体" panose="02010600010101010101" pitchFamily="2" charset="-122"/>
                 </a:rPr>
-                <a:t>Get</a:t>
-              </a:r>
-              <a:endParaRPr lang="zh-CN" altLang="en-US" sz="1400" dirty="0">
+                <a:t>AlbumSerializer(instance)</a:t>
+              </a:r>
+              <a:endParaRPr lang="zh-CN" altLang="en-US" sz="1400" dirty="0" err="1">
                 <a:latin typeface="方正喵呜体" panose="02010600010101010101" pitchFamily="2" charset="-122"/>
                 <a:ea typeface="方正喵呜体" panose="02010600010101010101" pitchFamily="2" charset="-122"/>
               </a:endParaRPr>
@@ -5140,10 +5831,10 @@
         </p:sp>
         <p:sp>
           <p:nvSpPr>
-            <p:cNvPr id="51" name="文本框 50">
+            <p:cNvPr id="62" name="文本框 61">
               <a:extLst>
                 <a:ext uri="{FF2B5EF4-FFF2-40B4-BE49-F238E27FC236}">
-                  <a16:creationId xmlns:a16="http://schemas.microsoft.com/office/drawing/2014/main" id="{D10BF372-EA7F-4D4F-BA3B-894357F3C601}"/>
+                  <a16:creationId xmlns:a16="http://schemas.microsoft.com/office/drawing/2014/main" id="{20A471B1-CA2C-4BDD-9413-C256EF402452}"/>
                 </a:ext>
               </a:extLst>
             </p:cNvPr>
@@ -5152,8 +5843,8 @@
           </p:nvSpPr>
           <p:spPr>
             <a:xfrm>
-              <a:off x="5399947" y="3123007"/>
-              <a:ext cx="692913" cy="738664"/>
+              <a:off x="627076" y="3429000"/>
+              <a:ext cx="1673765" cy="307777"/>
             </a:xfrm>
             <a:prstGeom prst="rect">
               <a:avLst/>
@@ -5168,33 +5859,241 @@
             <a:p>
               <a:pPr algn="ctr"/>
               <a:r>
+                <a:rPr lang="zh-CN" altLang="en-US" sz="1400" dirty="0">
+                  <a:latin typeface="方正喵呜体" panose="02010600010101010101" pitchFamily="2" charset="-122"/>
+                  <a:ea typeface="方正喵呜体" panose="02010600010101010101" pitchFamily="2" charset="-122"/>
+                </a:rPr>
+                <a:t>返回单个</a:t>
+              </a:r>
+              <a:r>
                 <a:rPr lang="en-US" altLang="zh-CN" sz="1400" dirty="0">
                   <a:latin typeface="方正喵呜体" panose="02010600010101010101" pitchFamily="2" charset="-122"/>
                   <a:ea typeface="方正喵呜体" panose="02010600010101010101" pitchFamily="2" charset="-122"/>
                 </a:rPr>
-                <a:t>Post</a:t>
-              </a:r>
+                <a:t>Album</a:t>
+              </a:r>
+              <a:r>
+                <a:rPr lang="zh-CN" altLang="en-US" sz="1400" dirty="0">
+                  <a:latin typeface="方正喵呜体" panose="02010600010101010101" pitchFamily="2" charset="-122"/>
+                  <a:ea typeface="方正喵呜体" panose="02010600010101010101" pitchFamily="2" charset="-122"/>
+                </a:rPr>
+                <a:t>实例</a:t>
+              </a:r>
+            </a:p>
+          </p:txBody>
+        </p:sp>
+        <p:cxnSp>
+          <p:nvCxnSpPr>
+            <p:cNvPr id="63" name="直接箭头连接符 62">
+              <a:extLst>
+                <a:ext uri="{FF2B5EF4-FFF2-40B4-BE49-F238E27FC236}">
+                  <a16:creationId xmlns:a16="http://schemas.microsoft.com/office/drawing/2014/main" id="{CF71BB15-06DE-442E-ADDB-A0AF71F045A5}"/>
+                </a:ext>
+              </a:extLst>
+            </p:cNvPr>
+            <p:cNvCxnSpPr/>
+            <p:nvPr/>
+          </p:nvCxnSpPr>
+          <p:spPr>
+            <a:xfrm flipV="1">
+              <a:off x="2387385" y="3714251"/>
+              <a:ext cx="991340" cy="6927"/>
+            </a:xfrm>
+            <a:prstGeom prst="straightConnector1">
+              <a:avLst/>
+            </a:prstGeom>
+            <a:ln w="19050">
+              <a:solidFill>
+                <a:schemeClr val="tx1">
+                  <a:lumMod val="65000"/>
+                  <a:lumOff val="35000"/>
+                </a:schemeClr>
+              </a:solidFill>
+              <a:tailEnd type="triangle"/>
+            </a:ln>
+          </p:spPr>
+          <p:style>
+            <a:lnRef idx="1">
+              <a:schemeClr val="accent1"/>
+            </a:lnRef>
+            <a:fillRef idx="0">
+              <a:schemeClr val="accent1"/>
+            </a:fillRef>
+            <a:effectRef idx="0">
+              <a:schemeClr val="accent1"/>
+            </a:effectRef>
+            <a:fontRef idx="minor">
+              <a:schemeClr val="tx1"/>
+            </a:fontRef>
+          </p:style>
+        </p:cxnSp>
+        <p:sp>
+          <p:nvSpPr>
+            <p:cNvPr id="64" name="文本框 63">
+              <a:extLst>
+                <a:ext uri="{FF2B5EF4-FFF2-40B4-BE49-F238E27FC236}">
+                  <a16:creationId xmlns:a16="http://schemas.microsoft.com/office/drawing/2014/main" id="{0F5F3BB0-8C9F-42A4-8BD7-1D221F57772C}"/>
+                </a:ext>
+              </a:extLst>
+            </p:cNvPr>
+            <p:cNvSpPr txBox="1"/>
+            <p:nvPr/>
+          </p:nvSpPr>
+          <p:spPr>
+            <a:xfrm>
+              <a:off x="2339079" y="3197958"/>
+              <a:ext cx="1097389" cy="523220"/>
+            </a:xfrm>
+            <a:prstGeom prst="rect">
+              <a:avLst/>
+            </a:prstGeom>
+            <a:noFill/>
+          </p:spPr>
+          <p:txBody>
+            <a:bodyPr wrap="square" rtlCol="0">
+              <a:spAutoFit/>
+            </a:bodyPr>
+            <a:lstStyle/>
+            <a:p>
+              <a:pPr algn="ctr"/>
+              <a:r>
+                <a:rPr lang="zh-CN" altLang="en-US" sz="1400" dirty="0">
+                  <a:latin typeface="方正喵呜体" panose="02010600010101010101" pitchFamily="2" charset="-122"/>
+                  <a:ea typeface="方正喵呜体" panose="02010600010101010101" pitchFamily="2" charset="-122"/>
+                </a:rPr>
+                <a:t>序列化</a:t>
+              </a:r>
+              <a:endParaRPr lang="en-US" altLang="zh-CN" sz="1400" dirty="0">
+                <a:latin typeface="方正喵呜体" panose="02010600010101010101" pitchFamily="2" charset="-122"/>
+                <a:ea typeface="方正喵呜体" panose="02010600010101010101" pitchFamily="2" charset="-122"/>
+              </a:endParaRPr>
             </a:p>
             <a:p>
               <a:pPr algn="ctr"/>
               <a:r>
+                <a:rPr lang="zh-CN" altLang="en-US" sz="1400" dirty="0">
+                  <a:latin typeface="方正喵呜体" panose="02010600010101010101" pitchFamily="2" charset="-122"/>
+                  <a:ea typeface="方正喵呜体" panose="02010600010101010101" pitchFamily="2" charset="-122"/>
+                </a:rPr>
+                <a:t>对象</a:t>
+              </a:r>
+              <a:r>
                 <a:rPr lang="en-US" altLang="zh-CN" sz="1400" dirty="0">
                   <a:latin typeface="方正喵呜体" panose="02010600010101010101" pitchFamily="2" charset="-122"/>
                   <a:ea typeface="方正喵呜体" panose="02010600010101010101" pitchFamily="2" charset="-122"/>
                 </a:rPr>
-                <a:t>Put</a:t>
-              </a:r>
+                <a:t>-&gt;Json</a:t>
+              </a:r>
+              <a:endParaRPr lang="zh-CN" altLang="en-US" sz="1400" dirty="0">
+                <a:latin typeface="方正喵呜体" panose="02010600010101010101" pitchFamily="2" charset="-122"/>
+                <a:ea typeface="方正喵呜体" panose="02010600010101010101" pitchFamily="2" charset="-122"/>
+              </a:endParaRPr>
+            </a:p>
+          </p:txBody>
+        </p:sp>
+        <p:cxnSp>
+          <p:nvCxnSpPr>
+            <p:cNvPr id="65" name="直接箭头连接符 64">
+              <a:extLst>
+                <a:ext uri="{FF2B5EF4-FFF2-40B4-BE49-F238E27FC236}">
+                  <a16:creationId xmlns:a16="http://schemas.microsoft.com/office/drawing/2014/main" id="{5885C7D2-8479-4B24-9B93-873489D82FD0}"/>
+                </a:ext>
+              </a:extLst>
+            </p:cNvPr>
+            <p:cNvCxnSpPr/>
+            <p:nvPr/>
+          </p:nvCxnSpPr>
+          <p:spPr>
+            <a:xfrm>
+              <a:off x="5161154" y="3714251"/>
+              <a:ext cx="793420" cy="0"/>
+            </a:xfrm>
+            <a:prstGeom prst="straightConnector1">
+              <a:avLst/>
+            </a:prstGeom>
+            <a:ln w="19050">
+              <a:solidFill>
+                <a:schemeClr val="tx1">
+                  <a:lumMod val="65000"/>
+                  <a:lumOff val="35000"/>
+                </a:schemeClr>
+              </a:solidFill>
+              <a:tailEnd type="triangle"/>
+            </a:ln>
+          </p:spPr>
+          <p:style>
+            <a:lnRef idx="1">
+              <a:schemeClr val="accent1"/>
+            </a:lnRef>
+            <a:fillRef idx="0">
+              <a:schemeClr val="accent1"/>
+            </a:fillRef>
+            <a:effectRef idx="0">
+              <a:schemeClr val="accent1"/>
+            </a:effectRef>
+            <a:fontRef idx="minor">
+              <a:schemeClr val="tx1"/>
+            </a:fontRef>
+          </p:style>
+        </p:cxnSp>
+        <p:sp>
+          <p:nvSpPr>
+            <p:cNvPr id="68" name="文本框 67">
+              <a:extLst>
+                <a:ext uri="{FF2B5EF4-FFF2-40B4-BE49-F238E27FC236}">
+                  <a16:creationId xmlns:a16="http://schemas.microsoft.com/office/drawing/2014/main" id="{70DC9D76-66E1-4550-A022-EB42FE2E0905}"/>
+                </a:ext>
+              </a:extLst>
+            </p:cNvPr>
+            <p:cNvSpPr txBox="1"/>
+            <p:nvPr/>
+          </p:nvSpPr>
+          <p:spPr>
+            <a:xfrm>
+              <a:off x="2349278" y="3853886"/>
+              <a:ext cx="1097389" cy="523220"/>
+            </a:xfrm>
+            <a:prstGeom prst="rect">
+              <a:avLst/>
+            </a:prstGeom>
+            <a:noFill/>
+          </p:spPr>
+          <p:txBody>
+            <a:bodyPr wrap="square" rtlCol="0">
+              <a:spAutoFit/>
+            </a:bodyPr>
+            <a:lstStyle/>
+            <a:p>
+              <a:pPr algn="ctr"/>
+              <a:r>
+                <a:rPr lang="zh-CN" altLang="en-US" sz="1400" dirty="0">
+                  <a:latin typeface="方正喵呜体" panose="02010600010101010101" pitchFamily="2" charset="-122"/>
+                  <a:ea typeface="方正喵呜体" panose="02010600010101010101" pitchFamily="2" charset="-122"/>
+                </a:rPr>
+                <a:t>反序列化</a:t>
+              </a:r>
+              <a:endParaRPr lang="en-US" altLang="zh-CN" sz="1400" dirty="0">
+                <a:latin typeface="方正喵呜体" panose="02010600010101010101" pitchFamily="2" charset="-122"/>
+                <a:ea typeface="方正喵呜体" panose="02010600010101010101" pitchFamily="2" charset="-122"/>
+              </a:endParaRPr>
             </a:p>
             <a:p>
               <a:pPr algn="ctr"/>
               <a:r>
+                <a:rPr lang="zh-CN" altLang="en-US" sz="1400" dirty="0">
+                  <a:latin typeface="方正喵呜体" panose="02010600010101010101" pitchFamily="2" charset="-122"/>
+                  <a:ea typeface="方正喵呜体" panose="02010600010101010101" pitchFamily="2" charset="-122"/>
+                </a:rPr>
+                <a:t>对象</a:t>
+              </a:r>
+              <a:r>
                 <a:rPr lang="en-US" altLang="zh-CN" sz="1400" dirty="0">
                   <a:latin typeface="方正喵呜体" panose="02010600010101010101" pitchFamily="2" charset="-122"/>
                   <a:ea typeface="方正喵呜体" panose="02010600010101010101" pitchFamily="2" charset="-122"/>
                 </a:rPr>
-                <a:t>Delete</a:t>
-              </a:r>
-              <a:endParaRPr lang="zh-CN" altLang="en-US" sz="1400" dirty="0" err="1">
+                <a:t>&lt;-Json</a:t>
+              </a:r>
+              <a:endParaRPr lang="zh-CN" altLang="en-US" sz="1400" dirty="0">
                 <a:latin typeface="方正喵呜体" panose="02010600010101010101" pitchFamily="2" charset="-122"/>
                 <a:ea typeface="方正喵呜体" panose="02010600010101010101" pitchFamily="2" charset="-122"/>
               </a:endParaRPr>
